--- a/Semana 6 (5)/Semana 6.pptx
+++ b/Semana 6 (5)/Semana 6.pptx
@@ -122,7 +122,7 @@
   </p:defaultTextStyle>
   <p:extLst>
     <p:ext uri="{EFAFB233-063F-42B5-8137-9DF3F51BA10A}">
-      <p15:sldGuideLst xmlns:p15="http://schemas.microsoft.com/office/powerpoint/2012/main" xmlns="">
+      <p15:sldGuideLst xmlns="" xmlns:p15="http://schemas.microsoft.com/office/powerpoint/2012/main">
         <p15:guide id="1" orient="horz" pos="2160">
           <p15:clr>
             <a:srgbClr val="A4A3A4"/>
@@ -8601,7 +8601,7 @@
           <p:nvPr>
             <p:extLst>
               <p:ext uri="{D42A27DB-BD31-4B8C-83A1-F6EECF244321}">
-                <p14:modId xmlns:p14="http://schemas.microsoft.com/office/powerpoint/2010/main" val="345141750"/>
+                <p14:modId xmlns:p14="http://schemas.microsoft.com/office/powerpoint/2010/main" val="348811018"/>
               </p:ext>
             </p:extLst>
           </p:nvPr>
@@ -9852,15 +9852,22 @@
                     <a:p>
                       <a:pPr algn="ctr" fontAlgn="ctr"/>
                       <a:r>
-                        <a:rPr lang="es-CL" sz="800" b="0" i="0" u="none" strike="noStrike">
+                        <a:rPr lang="es-CL" sz="800" b="0" i="0" u="none" strike="noStrike" dirty="0" smtClean="0">
                           <a:solidFill>
                             <a:srgbClr val="000000"/>
                           </a:solidFill>
                           <a:effectLst/>
                           <a:latin typeface="Arial" panose="020B0604020202020204" pitchFamily="34" charset="0"/>
                         </a:rPr>
-                        <a:t>3</a:t>
+                        <a:t>1</a:t>
                       </a:r>
+                      <a:endParaRPr lang="es-CL" sz="800" b="0" i="0" u="none" strike="noStrike" dirty="0">
+                        <a:solidFill>
+                          <a:srgbClr val="000000"/>
+                        </a:solidFill>
+                        <a:effectLst/>
+                        <a:latin typeface="Arial" panose="020B0604020202020204" pitchFamily="34" charset="0"/>
+                      </a:endParaRPr>
                     </a:p>
                   </a:txBody>
                   <a:tcPr marL="4128" marR="4128" marT="3096" marB="0" anchor="ctr">
@@ -9912,15 +9919,22 @@
                     <a:p>
                       <a:pPr algn="ctr" fontAlgn="ctr"/>
                       <a:r>
-                        <a:rPr lang="es-CL" sz="800" b="0" i="0" u="none" strike="noStrike">
+                        <a:rPr lang="es-CL" sz="800" b="0" i="0" u="none" strike="noStrike" dirty="0" smtClean="0">
                           <a:solidFill>
                             <a:srgbClr val="000000"/>
                           </a:solidFill>
                           <a:effectLst/>
                           <a:latin typeface="Arial" panose="020B0604020202020204" pitchFamily="34" charset="0"/>
                         </a:rPr>
-                        <a:t>2</a:t>
+                        <a:t>3</a:t>
                       </a:r>
+                      <a:endParaRPr lang="es-CL" sz="800" b="0" i="0" u="none" strike="noStrike" dirty="0">
+                        <a:solidFill>
+                          <a:srgbClr val="000000"/>
+                        </a:solidFill>
+                        <a:effectLst/>
+                        <a:latin typeface="Arial" panose="020B0604020202020204" pitchFamily="34" charset="0"/>
+                      </a:endParaRPr>
                     </a:p>
                   </a:txBody>
                   <a:tcPr marL="4128" marR="4128" marT="3096" marB="0" anchor="ctr">
@@ -9972,15 +9986,22 @@
                     <a:p>
                       <a:pPr algn="ctr" fontAlgn="b"/>
                       <a:r>
-                        <a:rPr lang="es-CL" sz="900" b="0" i="0" u="none" strike="noStrike">
+                        <a:rPr lang="es-CL" sz="900" b="0" i="0" u="none" strike="noStrike" dirty="0" smtClean="0">
                           <a:solidFill>
                             <a:srgbClr val="000000"/>
                           </a:solidFill>
                           <a:effectLst/>
                           <a:latin typeface="Calibri" panose="020F0502020204030204" pitchFamily="34" charset="0"/>
                         </a:rPr>
-                        <a:t>8</a:t>
+                        <a:t>4</a:t>
                       </a:r>
+                      <a:endParaRPr lang="es-CL" sz="900" b="0" i="0" u="none" strike="noStrike" dirty="0">
+                        <a:solidFill>
+                          <a:srgbClr val="000000"/>
+                        </a:solidFill>
+                        <a:effectLst/>
+                        <a:latin typeface="Calibri" panose="020F0502020204030204" pitchFamily="34" charset="0"/>
+                      </a:endParaRPr>
                     </a:p>
                   </a:txBody>
                   <a:tcPr marL="4128" marR="4128" marT="3096" marB="0" anchor="b">
@@ -10021,7 +10042,7 @@
                       <a:tailEnd type="none" w="med" len="med"/>
                     </a:lnB>
                     <a:solidFill>
-                      <a:srgbClr val="FF0000"/>
+                      <a:srgbClr val="FFFF00"/>
                     </a:solidFill>
                   </a:tcPr>
                 </a:tc>
@@ -10411,7 +10432,7 @@
                     <a:p>
                       <a:pPr algn="ctr" fontAlgn="b"/>
                       <a:r>
-                        <a:rPr lang="es-CL" sz="900" b="0" i="0" u="none" strike="noStrike">
+                        <a:rPr lang="es-CL" sz="900" b="0" i="0" u="none" strike="noStrike" dirty="0">
                           <a:solidFill>
                             <a:srgbClr val="000000"/>
                           </a:solidFill>
@@ -16327,7 +16348,7 @@
   <a:extraClrSchemeLst/>
   <a:extLst>
     <a:ext uri="{05A4C25C-085E-4340-85A3-A5531E510DB2}">
-      <thm15:themeFamily xmlns:thm15="http://schemas.microsoft.com/office/thememl/2012/main" xmlns="" name="Slice" id="{0507925B-6AC9-4358-8E18-C330545D08F8}" vid="{13FEC7C6-62A9-40C4-99D2-581AACACAA2F}"/>
+      <thm15:themeFamily xmlns="" xmlns:thm15="http://schemas.microsoft.com/office/thememl/2012/main" name="Slice" id="{0507925B-6AC9-4358-8E18-C330545D08F8}" vid="{13FEC7C6-62A9-40C4-99D2-581AACACAA2F}"/>
     </a:ext>
   </a:extLst>
 </a:theme>
